--- a/Presentation.pptx
+++ b/Presentation.pptx
@@ -13,6 +13,7 @@
     <p:sldId id="264" r:id="rId7"/>
     <p:sldId id="258" r:id="rId8"/>
     <p:sldId id="257" r:id="rId9"/>
+    <p:sldId id="265" r:id="rId10"/>
   </p:sldIdLst>
   <p:sldSz cx="12192000" cy="6858000"/>
   <p:notesSz cx="6858000" cy="9144000"/>
@@ -117,6 +118,43 @@
     </p:ext>
   </p:extLst>
 </p:presentation>
+</file>
+
+<file path=ppt/changesInfos/changesInfo1.xml><?xml version="1.0" encoding="utf-8"?>
+<pc:chgInfo xmlns:a="http://schemas.openxmlformats.org/drawingml/2006/main" xmlns:r="http://schemas.openxmlformats.org/officeDocument/2006/relationships" xmlns:ac="http://schemas.microsoft.com/office/drawing/2013/main/command" xmlns:pc="http://schemas.microsoft.com/office/powerpoint/2013/main/command">
+  <pc:docChgLst>
+    <pc:chgData name="Emily Herbas" userId="9af6620dc413c82a" providerId="LiveId" clId="{FBAEAEA5-1C88-42EB-BAFE-AE939D70F33B}"/>
+    <pc:docChg chg="custSel addSld modSld">
+      <pc:chgData name="Emily Herbas" userId="9af6620dc413c82a" providerId="LiveId" clId="{FBAEAEA5-1C88-42EB-BAFE-AE939D70F33B}" dt="2023-11-14T12:33:21.985" v="1179" actId="27636"/>
+      <pc:docMkLst>
+        <pc:docMk/>
+      </pc:docMkLst>
+      <pc:sldChg chg="modSp new mod">
+        <pc:chgData name="Emily Herbas" userId="9af6620dc413c82a" providerId="LiveId" clId="{FBAEAEA5-1C88-42EB-BAFE-AE939D70F33B}" dt="2023-11-14T12:33:21.985" v="1179" actId="27636"/>
+        <pc:sldMkLst>
+          <pc:docMk/>
+          <pc:sldMk cId="1285488721" sldId="265"/>
+        </pc:sldMkLst>
+        <pc:spChg chg="mod">
+          <ac:chgData name="Emily Herbas" userId="9af6620dc413c82a" providerId="LiveId" clId="{FBAEAEA5-1C88-42EB-BAFE-AE939D70F33B}" dt="2023-11-14T12:09:12.644" v="25" actId="1076"/>
+          <ac:spMkLst>
+            <pc:docMk/>
+            <pc:sldMk cId="1285488721" sldId="265"/>
+            <ac:spMk id="2" creationId="{46F2BD91-A0ED-4DD7-AB09-5DA08F076411}"/>
+          </ac:spMkLst>
+        </pc:spChg>
+        <pc:spChg chg="mod">
+          <ac:chgData name="Emily Herbas" userId="9af6620dc413c82a" providerId="LiveId" clId="{FBAEAEA5-1C88-42EB-BAFE-AE939D70F33B}" dt="2023-11-14T12:33:21.985" v="1179" actId="27636"/>
+          <ac:spMkLst>
+            <pc:docMk/>
+            <pc:sldMk cId="1285488721" sldId="265"/>
+            <ac:spMk id="3" creationId="{17BE415B-F1C7-47C5-ACA0-5D70E04D6853}"/>
+          </ac:spMkLst>
+        </pc:spChg>
+      </pc:sldChg>
+    </pc:docChg>
+  </pc:docChgLst>
+</pc:chgInfo>
 </file>
 
 <file path=ppt/slideLayouts/slideLayout1.xml><?xml version="1.0" encoding="utf-8"?>
@@ -668,7 +706,7 @@
           <a:p>
             <a:fld id="{B0D1D240-EDF7-4DA1-B5DA-FB2EE6578B31}" type="slidenum">
               <a:rPr lang="es-ES" smtClean="0"/>
-              <a:t>‹Nº›</a:t>
+              <a:t>‹#›</a:t>
             </a:fld>
             <a:endParaRPr lang="es-ES"/>
           </a:p>
@@ -959,7 +997,7 @@
           <a:p>
             <a:fld id="{B0D1D240-EDF7-4DA1-B5DA-FB2EE6578B31}" type="slidenum">
               <a:rPr lang="es-ES" smtClean="0"/>
-              <a:t>‹Nº›</a:t>
+              <a:t>‹#›</a:t>
             </a:fld>
             <a:endParaRPr lang="es-ES"/>
           </a:p>
@@ -1207,7 +1245,7 @@
           <a:p>
             <a:fld id="{B0D1D240-EDF7-4DA1-B5DA-FB2EE6578B31}" type="slidenum">
               <a:rPr lang="es-ES" smtClean="0"/>
-              <a:t>‹Nº›</a:t>
+              <a:t>‹#›</a:t>
             </a:fld>
             <a:endParaRPr lang="es-ES"/>
           </a:p>
@@ -1747,7 +1785,7 @@
           <a:p>
             <a:fld id="{B0D1D240-EDF7-4DA1-B5DA-FB2EE6578B31}" type="slidenum">
               <a:rPr lang="es-ES" smtClean="0"/>
-              <a:t>‹Nº›</a:t>
+              <a:t>‹#›</a:t>
             </a:fld>
             <a:endParaRPr lang="es-ES"/>
           </a:p>
@@ -1995,7 +2033,7 @@
           <a:p>
             <a:fld id="{B0D1D240-EDF7-4DA1-B5DA-FB2EE6578B31}" type="slidenum">
               <a:rPr lang="es-ES" smtClean="0"/>
-              <a:t>‹Nº›</a:t>
+              <a:t>‹#›</a:t>
             </a:fld>
             <a:endParaRPr lang="es-ES"/>
           </a:p>
@@ -2527,7 +2565,7 @@
           <a:p>
             <a:fld id="{B0D1D240-EDF7-4DA1-B5DA-FB2EE6578B31}" type="slidenum">
               <a:rPr lang="es-ES" smtClean="0"/>
-              <a:t>‹Nº›</a:t>
+              <a:t>‹#›</a:t>
             </a:fld>
             <a:endParaRPr lang="es-ES"/>
           </a:p>
@@ -2824,7 +2862,7 @@
           <a:p>
             <a:fld id="{B0D1D240-EDF7-4DA1-B5DA-FB2EE6578B31}" type="slidenum">
               <a:rPr lang="es-ES" smtClean="0"/>
-              <a:t>‹Nº›</a:t>
+              <a:t>‹#›</a:t>
             </a:fld>
             <a:endParaRPr lang="es-ES"/>
           </a:p>
@@ -2998,7 +3036,7 @@
           <a:p>
             <a:fld id="{B0D1D240-EDF7-4DA1-B5DA-FB2EE6578B31}" type="slidenum">
               <a:rPr lang="es-ES" smtClean="0"/>
-              <a:t>‹Nº›</a:t>
+              <a:t>‹#›</a:t>
             </a:fld>
             <a:endParaRPr lang="es-ES"/>
           </a:p>
@@ -3178,7 +3216,7 @@
           <a:p>
             <a:fld id="{B0D1D240-EDF7-4DA1-B5DA-FB2EE6578B31}" type="slidenum">
               <a:rPr lang="es-ES" smtClean="0"/>
-              <a:t>‹Nº›</a:t>
+              <a:t>‹#›</a:t>
             </a:fld>
             <a:endParaRPr lang="es-ES"/>
           </a:p>
@@ -3353,7 +3391,7 @@
           <a:p>
             <a:fld id="{B0D1D240-EDF7-4DA1-B5DA-FB2EE6578B31}" type="slidenum">
               <a:rPr lang="es-ES" smtClean="0"/>
-              <a:t>‹Nº›</a:t>
+              <a:t>‹#›</a:t>
             </a:fld>
             <a:endParaRPr lang="es-ES"/>
           </a:p>
@@ -3599,7 +3637,7 @@
           <a:p>
             <a:fld id="{B0D1D240-EDF7-4DA1-B5DA-FB2EE6578B31}" type="slidenum">
               <a:rPr lang="es-ES" smtClean="0"/>
-              <a:t>‹Nº›</a:t>
+              <a:t>‹#›</a:t>
             </a:fld>
             <a:endParaRPr lang="es-ES"/>
           </a:p>
@@ -3896,7 +3934,7 @@
           <a:p>
             <a:fld id="{B0D1D240-EDF7-4DA1-B5DA-FB2EE6578B31}" type="slidenum">
               <a:rPr lang="es-ES" smtClean="0"/>
-              <a:t>‹Nº›</a:t>
+              <a:t>‹#›</a:t>
             </a:fld>
             <a:endParaRPr lang="es-ES"/>
           </a:p>
@@ -4338,7 +4376,7 @@
           <a:p>
             <a:fld id="{B0D1D240-EDF7-4DA1-B5DA-FB2EE6578B31}" type="slidenum">
               <a:rPr lang="es-ES" smtClean="0"/>
-              <a:t>‹Nº›</a:t>
+              <a:t>‹#›</a:t>
             </a:fld>
             <a:endParaRPr lang="es-ES"/>
           </a:p>
@@ -4456,7 +4494,7 @@
           <a:p>
             <a:fld id="{B0D1D240-EDF7-4DA1-B5DA-FB2EE6578B31}" type="slidenum">
               <a:rPr lang="es-ES" smtClean="0"/>
-              <a:t>‹Nº›</a:t>
+              <a:t>‹#›</a:t>
             </a:fld>
             <a:endParaRPr lang="es-ES"/>
           </a:p>
@@ -4551,7 +4589,7 @@
           <a:p>
             <a:fld id="{B0D1D240-EDF7-4DA1-B5DA-FB2EE6578B31}" type="slidenum">
               <a:rPr lang="es-ES" smtClean="0"/>
-              <a:t>‹Nº›</a:t>
+              <a:t>‹#›</a:t>
             </a:fld>
             <a:endParaRPr lang="es-ES"/>
           </a:p>
@@ -4834,7 +4872,7 @@
           <a:p>
             <a:fld id="{B0D1D240-EDF7-4DA1-B5DA-FB2EE6578B31}" type="slidenum">
               <a:rPr lang="es-ES" smtClean="0"/>
-              <a:t>‹Nº›</a:t>
+              <a:t>‹#›</a:t>
             </a:fld>
             <a:endParaRPr lang="es-ES"/>
           </a:p>
@@ -5125,7 +5163,7 @@
           <a:p>
             <a:fld id="{B0D1D240-EDF7-4DA1-B5DA-FB2EE6578B31}" type="slidenum">
               <a:rPr lang="es-ES" smtClean="0"/>
-              <a:t>‹Nº›</a:t>
+              <a:t>‹#›</a:t>
             </a:fld>
             <a:endParaRPr lang="es-ES"/>
           </a:p>
@@ -5691,7 +5729,7 @@
           <a:p>
             <a:fld id="{B0D1D240-EDF7-4DA1-B5DA-FB2EE6578B31}" type="slidenum">
               <a:rPr lang="es-ES" smtClean="0"/>
-              <a:t>‹Nº›</a:t>
+              <a:t>‹#›</a:t>
             </a:fld>
             <a:endParaRPr lang="es-ES"/>
           </a:p>
@@ -25716,6 +25754,542 @@
 </p:sld>
 </file>
 
+<file path=ppt/slides/slide9.xml><?xml version="1.0" encoding="utf-8"?>
+<p:sld xmlns:a="http://schemas.openxmlformats.org/drawingml/2006/main" xmlns:r="http://schemas.openxmlformats.org/officeDocument/2006/relationships" xmlns:p="http://schemas.openxmlformats.org/presentationml/2006/main">
+  <p:cSld>
+    <p:spTree>
+      <p:nvGrpSpPr>
+        <p:cNvPr id="1" name=""/>
+        <p:cNvGrpSpPr/>
+        <p:nvPr/>
+      </p:nvGrpSpPr>
+      <p:grpSpPr>
+        <a:xfrm>
+          <a:off x="0" y="0"/>
+          <a:ext cx="0" cy="0"/>
+          <a:chOff x="0" y="0"/>
+          <a:chExt cx="0" cy="0"/>
+        </a:xfrm>
+      </p:grpSpPr>
+      <p:sp>
+        <p:nvSpPr>
+          <p:cNvPr id="2" name="Title 1">
+            <a:extLst>
+              <a:ext uri="{FF2B5EF4-FFF2-40B4-BE49-F238E27FC236}">
+                <a16:creationId xmlns:a16="http://schemas.microsoft.com/office/drawing/2014/main" id="{46F2BD91-A0ED-4DD7-AB09-5DA08F076411}"/>
+              </a:ext>
+            </a:extLst>
+          </p:cNvPr>
+          <p:cNvSpPr>
+            <a:spLocks noGrp="1"/>
+          </p:cNvSpPr>
+          <p:nvPr>
+            <p:ph type="title"/>
+          </p:nvPr>
+        </p:nvSpPr>
+        <p:spPr>
+          <a:xfrm>
+            <a:off x="1484310" y="57150"/>
+            <a:ext cx="10018713" cy="1009650"/>
+          </a:xfrm>
+        </p:spPr>
+        <p:txBody>
+          <a:bodyPr/>
+          <a:lstStyle/>
+          <a:p>
+            <a:pPr algn="l"/>
+            <a:r>
+              <a:rPr lang="es-ES" b="1" dirty="0"/>
+              <a:t>CONCLUSIONS</a:t>
+            </a:r>
+          </a:p>
+        </p:txBody>
+      </p:sp>
+      <p:sp>
+        <p:nvSpPr>
+          <p:cNvPr id="3" name="Content Placeholder 2">
+            <a:extLst>
+              <a:ext uri="{FF2B5EF4-FFF2-40B4-BE49-F238E27FC236}">
+                <a16:creationId xmlns:a16="http://schemas.microsoft.com/office/drawing/2014/main" id="{17BE415B-F1C7-47C5-ACA0-5D70E04D6853}"/>
+              </a:ext>
+            </a:extLst>
+          </p:cNvPr>
+          <p:cNvSpPr>
+            <a:spLocks noGrp="1"/>
+          </p:cNvSpPr>
+          <p:nvPr>
+            <p:ph idx="1"/>
+          </p:nvPr>
+        </p:nvSpPr>
+        <p:spPr>
+          <a:xfrm>
+            <a:off x="1484310" y="1352551"/>
+            <a:ext cx="10018713" cy="4438650"/>
+          </a:xfrm>
+        </p:spPr>
+        <p:txBody>
+          <a:bodyPr>
+            <a:normAutofit fontScale="92500" lnSpcReduction="20000"/>
+          </a:bodyPr>
+          <a:lstStyle/>
+          <a:p>
+            <a:r>
+              <a:rPr lang="es-ES" dirty="0" err="1"/>
+              <a:t>Best</a:t>
+            </a:r>
+            <a:r>
+              <a:rPr lang="es-ES" dirty="0"/>
+              <a:t> </a:t>
+            </a:r>
+            <a:r>
+              <a:rPr lang="es-ES" dirty="0" err="1"/>
+              <a:t>model</a:t>
+            </a:r>
+            <a:r>
+              <a:rPr lang="es-ES" dirty="0"/>
+              <a:t> is Logistic Regression with an Accuracy of 76% , 0.81% of </a:t>
+            </a:r>
+            <a:r>
+              <a:rPr lang="es-ES" dirty="0" err="1"/>
+              <a:t>recall</a:t>
+            </a:r>
+            <a:r>
+              <a:rPr lang="es-ES" dirty="0"/>
+              <a:t> in 20% test Split. Te </a:t>
+            </a:r>
+            <a:r>
+              <a:rPr lang="es-ES" dirty="0" err="1"/>
+              <a:t>recall</a:t>
+            </a:r>
+            <a:r>
+              <a:rPr lang="es-ES" dirty="0"/>
+              <a:t> was </a:t>
+            </a:r>
+            <a:r>
+              <a:rPr lang="es-ES" dirty="0" err="1"/>
+              <a:t>improved</a:t>
+            </a:r>
+            <a:r>
+              <a:rPr lang="es-ES" dirty="0"/>
+              <a:t> </a:t>
+            </a:r>
+            <a:r>
+              <a:rPr lang="es-ES" dirty="0" err="1"/>
+              <a:t>from</a:t>
+            </a:r>
+            <a:r>
+              <a:rPr lang="es-ES" dirty="0"/>
+              <a:t> </a:t>
+            </a:r>
+            <a:r>
+              <a:rPr lang="es-ES" dirty="0" err="1"/>
+              <a:t>last</a:t>
+            </a:r>
+            <a:r>
+              <a:rPr lang="es-ES" dirty="0"/>
+              <a:t> </a:t>
+            </a:r>
+            <a:r>
+              <a:rPr lang="es-ES" dirty="0" err="1"/>
+              <a:t>semester</a:t>
+            </a:r>
+            <a:r>
+              <a:rPr lang="es-ES" dirty="0"/>
+              <a:t> (0.57%).</a:t>
+            </a:r>
+          </a:p>
+          <a:p>
+            <a:r>
+              <a:rPr lang="es-ES" dirty="0"/>
+              <a:t>3 </a:t>
+            </a:r>
+            <a:r>
+              <a:rPr lang="es-ES" dirty="0" err="1"/>
+              <a:t>best</a:t>
+            </a:r>
+            <a:r>
+              <a:rPr lang="es-ES" dirty="0"/>
+              <a:t> models to </a:t>
+            </a:r>
+            <a:r>
+              <a:rPr lang="es-ES" dirty="0" err="1"/>
+              <a:t>perform</a:t>
+            </a:r>
+            <a:r>
+              <a:rPr lang="es-ES" dirty="0"/>
+              <a:t>: Linear </a:t>
+            </a:r>
+            <a:r>
+              <a:rPr lang="es-ES" dirty="0" err="1"/>
+              <a:t>Regession</a:t>
+            </a:r>
+            <a:r>
+              <a:rPr lang="es-ES" dirty="0"/>
+              <a:t>, Linear </a:t>
+            </a:r>
+            <a:r>
+              <a:rPr lang="es-ES" dirty="0" err="1"/>
+              <a:t>Discrimination</a:t>
+            </a:r>
+            <a:r>
+              <a:rPr lang="es-ES" dirty="0"/>
+              <a:t> Analysis and </a:t>
+            </a:r>
+            <a:r>
+              <a:rPr lang="es-ES" dirty="0" err="1"/>
+              <a:t>Kneighbors</a:t>
+            </a:r>
+            <a:r>
+              <a:rPr lang="es-ES" dirty="0"/>
+              <a:t>.</a:t>
+            </a:r>
+          </a:p>
+          <a:p>
+            <a:r>
+              <a:rPr lang="es-ES" dirty="0" err="1"/>
+              <a:t>Last</a:t>
+            </a:r>
+            <a:r>
+              <a:rPr lang="es-ES" dirty="0"/>
+              <a:t> </a:t>
+            </a:r>
+            <a:r>
+              <a:rPr lang="es-ES" dirty="0" err="1"/>
+              <a:t>semester</a:t>
+            </a:r>
+            <a:r>
+              <a:rPr lang="es-ES" dirty="0"/>
+              <a:t> was </a:t>
+            </a:r>
+            <a:r>
+              <a:rPr lang="es-ES" dirty="0" err="1"/>
+              <a:t>applied</a:t>
+            </a:r>
+            <a:r>
+              <a:rPr lang="es-ES" dirty="0"/>
+              <a:t> </a:t>
+            </a:r>
+            <a:r>
+              <a:rPr lang="es-ES" dirty="0" err="1"/>
+              <a:t>Smote</a:t>
+            </a:r>
+            <a:r>
+              <a:rPr lang="es-ES" dirty="0"/>
+              <a:t> and </a:t>
+            </a:r>
+            <a:r>
+              <a:rPr lang="es-ES" dirty="0" err="1"/>
+              <a:t>NearMiss</a:t>
+            </a:r>
+            <a:r>
+              <a:rPr lang="es-ES" dirty="0"/>
+              <a:t> what introduce </a:t>
+            </a:r>
+            <a:r>
+              <a:rPr lang="es-ES" dirty="0" err="1"/>
+              <a:t>Bias</a:t>
+            </a:r>
+            <a:r>
+              <a:rPr lang="es-ES" dirty="0"/>
+              <a:t> and </a:t>
+            </a:r>
+            <a:r>
+              <a:rPr lang="es-ES" dirty="0" err="1"/>
+              <a:t>Variance</a:t>
+            </a:r>
+            <a:r>
+              <a:rPr lang="es-ES" dirty="0"/>
+              <a:t>, for this </a:t>
+            </a:r>
+            <a:r>
+              <a:rPr lang="es-ES" dirty="0" err="1"/>
+              <a:t>reason</a:t>
+            </a:r>
+            <a:r>
+              <a:rPr lang="es-ES" dirty="0"/>
+              <a:t> we </a:t>
+            </a:r>
+            <a:r>
+              <a:rPr lang="es-ES" dirty="0" err="1"/>
+              <a:t>decided</a:t>
+            </a:r>
+            <a:r>
+              <a:rPr lang="es-ES" dirty="0"/>
+              <a:t> to balance the data </a:t>
+            </a:r>
+            <a:r>
+              <a:rPr lang="es-ES" dirty="0" err="1"/>
+              <a:t>before</a:t>
+            </a:r>
+            <a:r>
+              <a:rPr lang="es-ES" dirty="0"/>
+              <a:t> </a:t>
+            </a:r>
+            <a:r>
+              <a:rPr lang="es-ES" dirty="0" err="1"/>
+              <a:t>applying</a:t>
+            </a:r>
+            <a:r>
+              <a:rPr lang="es-ES" dirty="0"/>
+              <a:t> </a:t>
+            </a:r>
+            <a:r>
+              <a:rPr lang="es-ES" dirty="0" err="1"/>
+              <a:t>hyperparameters</a:t>
+            </a:r>
+            <a:r>
+              <a:rPr lang="es-ES" dirty="0"/>
+              <a:t>.</a:t>
+            </a:r>
+          </a:p>
+          <a:p>
+            <a:r>
+              <a:rPr lang="es-ES" dirty="0"/>
+              <a:t>As </a:t>
+            </a:r>
+            <a:r>
+              <a:rPr lang="es-ES" dirty="0" err="1"/>
+              <a:t>our</a:t>
+            </a:r>
+            <a:r>
+              <a:rPr lang="es-ES" dirty="0"/>
+              <a:t> data is  </a:t>
+            </a:r>
+            <a:r>
+              <a:rPr lang="es-ES" dirty="0" err="1"/>
+              <a:t>limited</a:t>
+            </a:r>
+            <a:r>
+              <a:rPr lang="es-ES" dirty="0"/>
+              <a:t> we </a:t>
+            </a:r>
+            <a:r>
+              <a:rPr lang="es-ES" dirty="0" err="1"/>
+              <a:t>encode</a:t>
+            </a:r>
+            <a:r>
+              <a:rPr lang="es-ES" dirty="0"/>
+              <a:t> the </a:t>
+            </a:r>
+            <a:r>
+              <a:rPr lang="es-ES" dirty="0" err="1"/>
+              <a:t>categorical</a:t>
+            </a:r>
+            <a:r>
+              <a:rPr lang="es-ES" dirty="0"/>
+              <a:t> to </a:t>
+            </a:r>
+            <a:r>
+              <a:rPr lang="es-ES" dirty="0" err="1"/>
+              <a:t>numerical</a:t>
+            </a:r>
+            <a:r>
+              <a:rPr lang="es-ES" dirty="0"/>
+              <a:t> </a:t>
+            </a:r>
+            <a:r>
+              <a:rPr lang="es-ES" dirty="0" err="1"/>
+              <a:t>values</a:t>
+            </a:r>
+            <a:r>
+              <a:rPr lang="es-ES" dirty="0"/>
+              <a:t> with </a:t>
+            </a:r>
+            <a:r>
+              <a:rPr lang="es-ES" dirty="0" err="1"/>
+              <a:t>Label</a:t>
+            </a:r>
+            <a:r>
+              <a:rPr lang="es-ES" dirty="0"/>
+              <a:t> </a:t>
+            </a:r>
+            <a:r>
+              <a:rPr lang="es-ES" dirty="0" err="1"/>
+              <a:t>Encoding</a:t>
+            </a:r>
+            <a:r>
+              <a:rPr lang="es-ES" dirty="0"/>
+              <a:t> for not have </a:t>
+            </a:r>
+            <a:r>
+              <a:rPr lang="es-ES" dirty="0" err="1"/>
+              <a:t>problems</a:t>
+            </a:r>
+            <a:r>
+              <a:rPr lang="es-ES" dirty="0"/>
+              <a:t> with the course of Dimensionality.</a:t>
+            </a:r>
+          </a:p>
+          <a:p>
+            <a:r>
+              <a:rPr lang="es-ES" dirty="0" err="1"/>
+              <a:t>Correlation</a:t>
+            </a:r>
+            <a:r>
+              <a:rPr lang="es-ES" dirty="0"/>
+              <a:t> </a:t>
+            </a:r>
+            <a:r>
+              <a:rPr lang="es-ES" dirty="0" err="1"/>
+              <a:t>methods</a:t>
+            </a:r>
+            <a:r>
+              <a:rPr lang="es-ES" dirty="0"/>
+              <a:t> </a:t>
+            </a:r>
+            <a:r>
+              <a:rPr lang="es-ES" dirty="0" err="1"/>
+              <a:t>were</a:t>
+            </a:r>
+            <a:r>
+              <a:rPr lang="es-ES" dirty="0"/>
+              <a:t> </a:t>
+            </a:r>
+            <a:r>
+              <a:rPr lang="es-ES" dirty="0" err="1"/>
+              <a:t>applied</a:t>
+            </a:r>
+            <a:r>
+              <a:rPr lang="es-ES" dirty="0"/>
+              <a:t> to realice </a:t>
+            </a:r>
+            <a:r>
+              <a:rPr lang="es-ES" dirty="0" err="1"/>
+              <a:t>feature</a:t>
+            </a:r>
+            <a:r>
+              <a:rPr lang="es-ES" dirty="0"/>
+              <a:t> </a:t>
+            </a:r>
+            <a:r>
+              <a:rPr lang="es-ES" dirty="0" err="1"/>
+              <a:t>engineering</a:t>
+            </a:r>
+            <a:r>
+              <a:rPr lang="es-ES" dirty="0"/>
+              <a:t> with ANOVA and Chis-</a:t>
+            </a:r>
+            <a:r>
+              <a:rPr lang="es-ES" dirty="0" err="1"/>
+              <a:t>quared</a:t>
+            </a:r>
+            <a:r>
+              <a:rPr lang="es-ES" dirty="0"/>
+              <a:t> test.</a:t>
+            </a:r>
+          </a:p>
+          <a:p>
+            <a:r>
+              <a:rPr lang="es-ES" dirty="0"/>
+              <a:t>With EDA </a:t>
+            </a:r>
+            <a:r>
+              <a:rPr lang="es-ES" dirty="0" err="1"/>
+              <a:t>visualizations</a:t>
+            </a:r>
+            <a:r>
+              <a:rPr lang="es-ES" dirty="0"/>
+              <a:t> we can see that the </a:t>
+            </a:r>
+            <a:r>
+              <a:rPr lang="es-ES" dirty="0" err="1"/>
+              <a:t>company</a:t>
+            </a:r>
+            <a:r>
+              <a:rPr lang="es-ES" dirty="0"/>
+              <a:t> </a:t>
+            </a:r>
+            <a:r>
+              <a:rPr lang="es-ES" dirty="0" err="1"/>
+              <a:t>needs</a:t>
+            </a:r>
+            <a:r>
+              <a:rPr lang="es-ES" dirty="0"/>
+              <a:t> to </a:t>
+            </a:r>
+            <a:r>
+              <a:rPr lang="es-ES" dirty="0" err="1"/>
+              <a:t>analyse</a:t>
+            </a:r>
+            <a:r>
+              <a:rPr lang="es-ES" dirty="0"/>
+              <a:t> a </a:t>
+            </a:r>
+            <a:r>
+              <a:rPr lang="es-ES" dirty="0" err="1"/>
+              <a:t>way</a:t>
+            </a:r>
+            <a:r>
+              <a:rPr lang="es-ES" dirty="0"/>
+              <a:t> to </a:t>
+            </a:r>
+            <a:r>
+              <a:rPr lang="es-ES" dirty="0" err="1"/>
+              <a:t>change</a:t>
+            </a:r>
+            <a:r>
+              <a:rPr lang="es-ES" dirty="0"/>
+              <a:t> the </a:t>
+            </a:r>
+            <a:r>
+              <a:rPr lang="es-ES" dirty="0" err="1"/>
+              <a:t>Month</a:t>
+            </a:r>
+            <a:r>
+              <a:rPr lang="es-ES" dirty="0"/>
+              <a:t> to </a:t>
+            </a:r>
+            <a:r>
+              <a:rPr lang="es-ES" dirty="0" err="1"/>
+              <a:t>Month</a:t>
+            </a:r>
+            <a:r>
+              <a:rPr lang="es-ES" dirty="0"/>
+              <a:t> Contract for </a:t>
+            </a:r>
+            <a:r>
+              <a:rPr lang="es-ES" dirty="0" err="1"/>
+              <a:t>longer</a:t>
+            </a:r>
+            <a:r>
+              <a:rPr lang="es-ES" dirty="0"/>
+              <a:t> </a:t>
+            </a:r>
+            <a:r>
+              <a:rPr lang="es-ES" dirty="0" err="1"/>
+              <a:t>term</a:t>
+            </a:r>
+            <a:r>
+              <a:rPr lang="es-ES" dirty="0"/>
+              <a:t> </a:t>
+            </a:r>
+            <a:r>
+              <a:rPr lang="es-ES" dirty="0" err="1"/>
+              <a:t>contracts</a:t>
+            </a:r>
+            <a:r>
+              <a:rPr lang="es-ES" dirty="0"/>
+              <a:t>.</a:t>
+            </a:r>
+          </a:p>
+          <a:p>
+            <a:endParaRPr lang="es-ES" dirty="0"/>
+          </a:p>
+        </p:txBody>
+      </p:sp>
+    </p:spTree>
+    <p:extLst>
+      <p:ext uri="{BB962C8B-B14F-4D97-AF65-F5344CB8AC3E}">
+        <p14:creationId xmlns:p14="http://schemas.microsoft.com/office/powerpoint/2010/main" val="1285488721"/>
+      </p:ext>
+    </p:extLst>
+  </p:cSld>
+  <p:clrMapOvr>
+    <a:masterClrMapping/>
+  </p:clrMapOvr>
+</p:sld>
+</file>
+
 <file path=ppt/theme/theme1.xml><?xml version="1.0" encoding="utf-8"?>
 <a:theme xmlns:a="http://schemas.openxmlformats.org/drawingml/2006/main" name="Parallax">
   <a:themeElements>

--- a/Presentation.pptx
+++ b/Presentation.pptx
@@ -125,12 +125,12 @@
   <pc:docChgLst>
     <pc:chgData name="Emily Herbas" userId="9af6620dc413c82a" providerId="LiveId" clId="{FBAEAEA5-1C88-42EB-BAFE-AE939D70F33B}"/>
     <pc:docChg chg="custSel addSld modSld">
-      <pc:chgData name="Emily Herbas" userId="9af6620dc413c82a" providerId="LiveId" clId="{FBAEAEA5-1C88-42EB-BAFE-AE939D70F33B}" dt="2023-11-14T12:33:21.985" v="1179" actId="27636"/>
+      <pc:chgData name="Emily Herbas" userId="9af6620dc413c82a" providerId="LiveId" clId="{FBAEAEA5-1C88-42EB-BAFE-AE939D70F33B}" dt="2023-11-14T15:05:48.360" v="1221" actId="20577"/>
       <pc:docMkLst>
         <pc:docMk/>
       </pc:docMkLst>
       <pc:sldChg chg="modSp new mod">
-        <pc:chgData name="Emily Herbas" userId="9af6620dc413c82a" providerId="LiveId" clId="{FBAEAEA5-1C88-42EB-BAFE-AE939D70F33B}" dt="2023-11-14T12:33:21.985" v="1179" actId="27636"/>
+        <pc:chgData name="Emily Herbas" userId="9af6620dc413c82a" providerId="LiveId" clId="{FBAEAEA5-1C88-42EB-BAFE-AE939D70F33B}" dt="2023-11-14T15:05:48.360" v="1221" actId="20577"/>
         <pc:sldMkLst>
           <pc:docMk/>
           <pc:sldMk cId="1285488721" sldId="265"/>
@@ -144,7 +144,7 @@
           </ac:spMkLst>
         </pc:spChg>
         <pc:spChg chg="mod">
-          <ac:chgData name="Emily Herbas" userId="9af6620dc413c82a" providerId="LiveId" clId="{FBAEAEA5-1C88-42EB-BAFE-AE939D70F33B}" dt="2023-11-14T12:33:21.985" v="1179" actId="27636"/>
+          <ac:chgData name="Emily Herbas" userId="9af6620dc413c82a" providerId="LiveId" clId="{FBAEAEA5-1C88-42EB-BAFE-AE939D70F33B}" dt="2023-11-14T15:05:48.360" v="1221" actId="20577"/>
           <ac:spMkLst>
             <pc:docMk/>
             <pc:sldMk cId="1285488721" sldId="265"/>
@@ -25834,441 +25834,790 @@
           <a:lstStyle/>
           <a:p>
             <a:r>
-              <a:rPr lang="es-ES" dirty="0" err="1"/>
-              <a:t>Best</a:t>
+              <a:rPr lang="es-ES" dirty="0">
+                <a:latin typeface="Times New Roman" panose="02020603050405020304" pitchFamily="18" charset="0"/>
+                <a:cs typeface="Times New Roman" panose="02020603050405020304" pitchFamily="18" charset="0"/>
+              </a:rPr>
+              <a:t>The </a:t>
             </a:r>
             <a:r>
-              <a:rPr lang="es-ES" dirty="0"/>
+              <a:rPr lang="es-ES" dirty="0" err="1">
+                <a:latin typeface="Times New Roman" panose="02020603050405020304" pitchFamily="18" charset="0"/>
+                <a:cs typeface="Times New Roman" panose="02020603050405020304" pitchFamily="18" charset="0"/>
+              </a:rPr>
+              <a:t>best</a:t>
+            </a:r>
+            <a:r>
+              <a:rPr lang="es-ES" dirty="0">
+                <a:latin typeface="Times New Roman" panose="02020603050405020304" pitchFamily="18" charset="0"/>
+                <a:cs typeface="Times New Roman" panose="02020603050405020304" pitchFamily="18" charset="0"/>
+              </a:rPr>
               <a:t> </a:t>
             </a:r>
             <a:r>
-              <a:rPr lang="es-ES" dirty="0" err="1"/>
+              <a:rPr lang="es-ES" dirty="0" err="1">
+                <a:latin typeface="Times New Roman" panose="02020603050405020304" pitchFamily="18" charset="0"/>
+                <a:cs typeface="Times New Roman" panose="02020603050405020304" pitchFamily="18" charset="0"/>
+              </a:rPr>
               <a:t>model</a:t>
             </a:r>
             <a:r>
-              <a:rPr lang="es-ES" dirty="0"/>
-              <a:t> is Logistic Regression with an Accuracy of 76% , 0.81% of </a:t>
+              <a:rPr lang="es-ES" dirty="0">
+                <a:latin typeface="Times New Roman" panose="02020603050405020304" pitchFamily="18" charset="0"/>
+                <a:cs typeface="Times New Roman" panose="02020603050405020304" pitchFamily="18" charset="0"/>
+              </a:rPr>
+              <a:t> is Logistic Regression with an Accuracy of 76% , and 0.81% of </a:t>
             </a:r>
             <a:r>
-              <a:rPr lang="es-ES" dirty="0" err="1"/>
+              <a:rPr lang="es-ES" dirty="0" err="1">
+                <a:latin typeface="Times New Roman" panose="02020603050405020304" pitchFamily="18" charset="0"/>
+                <a:cs typeface="Times New Roman" panose="02020603050405020304" pitchFamily="18" charset="0"/>
+              </a:rPr>
               <a:t>recall</a:t>
             </a:r>
             <a:r>
-              <a:rPr lang="es-ES" dirty="0"/>
+              <a:rPr lang="es-ES" dirty="0">
+                <a:latin typeface="Times New Roman" panose="02020603050405020304" pitchFamily="18" charset="0"/>
+                <a:cs typeface="Times New Roman" panose="02020603050405020304" pitchFamily="18" charset="0"/>
+              </a:rPr>
               <a:t> in 20% test Split. Te </a:t>
             </a:r>
             <a:r>
-              <a:rPr lang="es-ES" dirty="0" err="1"/>
+              <a:rPr lang="es-ES" dirty="0" err="1">
+                <a:latin typeface="Times New Roman" panose="02020603050405020304" pitchFamily="18" charset="0"/>
+                <a:cs typeface="Times New Roman" panose="02020603050405020304" pitchFamily="18" charset="0"/>
+              </a:rPr>
               <a:t>recall</a:t>
             </a:r>
             <a:r>
-              <a:rPr lang="es-ES" dirty="0"/>
+              <a:rPr lang="es-ES" dirty="0">
+                <a:latin typeface="Times New Roman" panose="02020603050405020304" pitchFamily="18" charset="0"/>
+                <a:cs typeface="Times New Roman" panose="02020603050405020304" pitchFamily="18" charset="0"/>
+              </a:rPr>
               <a:t> was </a:t>
             </a:r>
             <a:r>
-              <a:rPr lang="es-ES" dirty="0" err="1"/>
+              <a:rPr lang="es-ES" dirty="0" err="1">
+                <a:latin typeface="Times New Roman" panose="02020603050405020304" pitchFamily="18" charset="0"/>
+                <a:cs typeface="Times New Roman" panose="02020603050405020304" pitchFamily="18" charset="0"/>
+              </a:rPr>
               <a:t>improved</a:t>
             </a:r>
             <a:r>
-              <a:rPr lang="es-ES" dirty="0"/>
+              <a:rPr lang="es-ES" dirty="0">
+                <a:latin typeface="Times New Roman" panose="02020603050405020304" pitchFamily="18" charset="0"/>
+                <a:cs typeface="Times New Roman" panose="02020603050405020304" pitchFamily="18" charset="0"/>
+              </a:rPr>
               <a:t> </a:t>
             </a:r>
             <a:r>
-              <a:rPr lang="es-ES" dirty="0" err="1"/>
+              <a:rPr lang="es-ES" dirty="0" err="1">
+                <a:latin typeface="Times New Roman" panose="02020603050405020304" pitchFamily="18" charset="0"/>
+                <a:cs typeface="Times New Roman" panose="02020603050405020304" pitchFamily="18" charset="0"/>
+              </a:rPr>
               <a:t>from</a:t>
             </a:r>
             <a:r>
-              <a:rPr lang="es-ES" dirty="0"/>
+              <a:rPr lang="es-ES" dirty="0">
+                <a:latin typeface="Times New Roman" panose="02020603050405020304" pitchFamily="18" charset="0"/>
+                <a:cs typeface="Times New Roman" panose="02020603050405020304" pitchFamily="18" charset="0"/>
+              </a:rPr>
               <a:t> </a:t>
             </a:r>
             <a:r>
-              <a:rPr lang="es-ES" dirty="0" err="1"/>
+              <a:rPr lang="es-ES" dirty="0" err="1">
+                <a:latin typeface="Times New Roman" panose="02020603050405020304" pitchFamily="18" charset="0"/>
+                <a:cs typeface="Times New Roman" panose="02020603050405020304" pitchFamily="18" charset="0"/>
+              </a:rPr>
               <a:t>last</a:t>
             </a:r>
             <a:r>
-              <a:rPr lang="es-ES" dirty="0"/>
+              <a:rPr lang="es-ES" dirty="0">
+                <a:latin typeface="Times New Roman" panose="02020603050405020304" pitchFamily="18" charset="0"/>
+                <a:cs typeface="Times New Roman" panose="02020603050405020304" pitchFamily="18" charset="0"/>
+              </a:rPr>
               <a:t> </a:t>
             </a:r>
             <a:r>
-              <a:rPr lang="es-ES" dirty="0" err="1"/>
+              <a:rPr lang="es-ES" dirty="0" err="1">
+                <a:latin typeface="Times New Roman" panose="02020603050405020304" pitchFamily="18" charset="0"/>
+                <a:cs typeface="Times New Roman" panose="02020603050405020304" pitchFamily="18" charset="0"/>
+              </a:rPr>
               <a:t>semester</a:t>
             </a:r>
             <a:r>
-              <a:rPr lang="es-ES" dirty="0"/>
+              <a:rPr lang="es-ES" dirty="0">
+                <a:latin typeface="Times New Roman" panose="02020603050405020304" pitchFamily="18" charset="0"/>
+                <a:cs typeface="Times New Roman" panose="02020603050405020304" pitchFamily="18" charset="0"/>
+              </a:rPr>
               <a:t> (0.57%).</a:t>
             </a:r>
           </a:p>
           <a:p>
             <a:r>
-              <a:rPr lang="es-ES" dirty="0"/>
+              <a:rPr lang="es-ES" dirty="0">
+                <a:latin typeface="Times New Roman" panose="02020603050405020304" pitchFamily="18" charset="0"/>
+                <a:cs typeface="Times New Roman" panose="02020603050405020304" pitchFamily="18" charset="0"/>
+              </a:rPr>
               <a:t>3 </a:t>
             </a:r>
             <a:r>
-              <a:rPr lang="es-ES" dirty="0" err="1"/>
+              <a:rPr lang="es-ES" dirty="0" err="1">
+                <a:latin typeface="Times New Roman" panose="02020603050405020304" pitchFamily="18" charset="0"/>
+                <a:cs typeface="Times New Roman" panose="02020603050405020304" pitchFamily="18" charset="0"/>
+              </a:rPr>
               <a:t>best</a:t>
             </a:r>
             <a:r>
-              <a:rPr lang="es-ES" dirty="0"/>
+              <a:rPr lang="es-ES" dirty="0">
+                <a:latin typeface="Times New Roman" panose="02020603050405020304" pitchFamily="18" charset="0"/>
+                <a:cs typeface="Times New Roman" panose="02020603050405020304" pitchFamily="18" charset="0"/>
+              </a:rPr>
               <a:t> models to </a:t>
             </a:r>
             <a:r>
-              <a:rPr lang="es-ES" dirty="0" err="1"/>
+              <a:rPr lang="es-ES" dirty="0" err="1">
+                <a:latin typeface="Times New Roman" panose="02020603050405020304" pitchFamily="18" charset="0"/>
+                <a:cs typeface="Times New Roman" panose="02020603050405020304" pitchFamily="18" charset="0"/>
+              </a:rPr>
               <a:t>perform</a:t>
             </a:r>
             <a:r>
-              <a:rPr lang="es-ES" dirty="0"/>
+              <a:rPr lang="es-ES" dirty="0">
+                <a:latin typeface="Times New Roman" panose="02020603050405020304" pitchFamily="18" charset="0"/>
+                <a:cs typeface="Times New Roman" panose="02020603050405020304" pitchFamily="18" charset="0"/>
+              </a:rPr>
               <a:t>: Linear </a:t>
             </a:r>
             <a:r>
-              <a:rPr lang="es-ES" dirty="0" err="1"/>
+              <a:rPr lang="es-ES" dirty="0" err="1">
+                <a:latin typeface="Times New Roman" panose="02020603050405020304" pitchFamily="18" charset="0"/>
+                <a:cs typeface="Times New Roman" panose="02020603050405020304" pitchFamily="18" charset="0"/>
+              </a:rPr>
               <a:t>Regession</a:t>
             </a:r>
             <a:r>
-              <a:rPr lang="es-ES" dirty="0"/>
+              <a:rPr lang="es-ES" dirty="0">
+                <a:latin typeface="Times New Roman" panose="02020603050405020304" pitchFamily="18" charset="0"/>
+                <a:cs typeface="Times New Roman" panose="02020603050405020304" pitchFamily="18" charset="0"/>
+              </a:rPr>
               <a:t>, Linear </a:t>
             </a:r>
             <a:r>
-              <a:rPr lang="es-ES" dirty="0" err="1"/>
+              <a:rPr lang="es-ES" dirty="0" err="1">
+                <a:latin typeface="Times New Roman" panose="02020603050405020304" pitchFamily="18" charset="0"/>
+                <a:cs typeface="Times New Roman" panose="02020603050405020304" pitchFamily="18" charset="0"/>
+              </a:rPr>
               <a:t>Discrimination</a:t>
             </a:r>
             <a:r>
-              <a:rPr lang="es-ES" dirty="0"/>
+              <a:rPr lang="es-ES" dirty="0">
+                <a:latin typeface="Times New Roman" panose="02020603050405020304" pitchFamily="18" charset="0"/>
+                <a:cs typeface="Times New Roman" panose="02020603050405020304" pitchFamily="18" charset="0"/>
+              </a:rPr>
               <a:t> Analysis and </a:t>
             </a:r>
             <a:r>
-              <a:rPr lang="es-ES" dirty="0" err="1"/>
+              <a:rPr lang="es-ES" dirty="0" err="1">
+                <a:latin typeface="Times New Roman" panose="02020603050405020304" pitchFamily="18" charset="0"/>
+                <a:cs typeface="Times New Roman" panose="02020603050405020304" pitchFamily="18" charset="0"/>
+              </a:rPr>
               <a:t>Kneighbors</a:t>
             </a:r>
             <a:r>
-              <a:rPr lang="es-ES" dirty="0"/>
+              <a:rPr lang="es-ES" dirty="0">
+                <a:latin typeface="Times New Roman" panose="02020603050405020304" pitchFamily="18" charset="0"/>
+                <a:cs typeface="Times New Roman" panose="02020603050405020304" pitchFamily="18" charset="0"/>
+              </a:rPr>
               <a:t>.</a:t>
             </a:r>
           </a:p>
           <a:p>
             <a:r>
-              <a:rPr lang="es-ES" dirty="0" err="1"/>
-              <a:t>Last</a:t>
+              <a:rPr lang="es-ES" dirty="0">
+                <a:latin typeface="Times New Roman" panose="02020603050405020304" pitchFamily="18" charset="0"/>
+                <a:cs typeface="Times New Roman" panose="02020603050405020304" pitchFamily="18" charset="0"/>
+              </a:rPr>
+              <a:t>Last </a:t>
             </a:r>
             <a:r>
-              <a:rPr lang="es-ES" dirty="0"/>
+              <a:rPr lang="es-ES" dirty="0" err="1">
+                <a:latin typeface="Times New Roman" panose="02020603050405020304" pitchFamily="18" charset="0"/>
+                <a:cs typeface="Times New Roman" panose="02020603050405020304" pitchFamily="18" charset="0"/>
+              </a:rPr>
+              <a:t>semester</a:t>
+            </a:r>
+            <a:r>
+              <a:rPr lang="es-ES" dirty="0">
+                <a:latin typeface="Times New Roman" panose="02020603050405020304" pitchFamily="18" charset="0"/>
+                <a:cs typeface="Times New Roman" panose="02020603050405020304" pitchFamily="18" charset="0"/>
+              </a:rPr>
+              <a:t>, </a:t>
+            </a:r>
+            <a:r>
+              <a:rPr lang="es-ES" dirty="0" err="1">
+                <a:latin typeface="Times New Roman" panose="02020603050405020304" pitchFamily="18" charset="0"/>
+                <a:cs typeface="Times New Roman" panose="02020603050405020304" pitchFamily="18" charset="0"/>
+              </a:rPr>
+              <a:t>Smote</a:t>
+            </a:r>
+            <a:r>
+              <a:rPr lang="es-ES" dirty="0">
+                <a:latin typeface="Times New Roman" panose="02020603050405020304" pitchFamily="18" charset="0"/>
+                <a:cs typeface="Times New Roman" panose="02020603050405020304" pitchFamily="18" charset="0"/>
+              </a:rPr>
+              <a:t> and </a:t>
+            </a:r>
+            <a:r>
+              <a:rPr lang="es-ES" dirty="0" err="1">
+                <a:latin typeface="Times New Roman" panose="02020603050405020304" pitchFamily="18" charset="0"/>
+                <a:cs typeface="Times New Roman" panose="02020603050405020304" pitchFamily="18" charset="0"/>
+              </a:rPr>
+              <a:t>NearMiss</a:t>
+            </a:r>
+            <a:r>
+              <a:rPr lang="es-ES" dirty="0">
+                <a:latin typeface="Times New Roman" panose="02020603050405020304" pitchFamily="18" charset="0"/>
+                <a:cs typeface="Times New Roman" panose="02020603050405020304" pitchFamily="18" charset="0"/>
+              </a:rPr>
               <a:t> </a:t>
             </a:r>
             <a:r>
-              <a:rPr lang="es-ES" dirty="0" err="1"/>
-              <a:t>semester</a:t>
+              <a:rPr lang="es-ES" dirty="0" err="1">
+                <a:latin typeface="Times New Roman" panose="02020603050405020304" pitchFamily="18" charset="0"/>
+                <a:cs typeface="Times New Roman" panose="02020603050405020304" pitchFamily="18" charset="0"/>
+              </a:rPr>
+              <a:t>were</a:t>
             </a:r>
             <a:r>
-              <a:rPr lang="es-ES" dirty="0"/>
-              <a:t> was </a:t>
+              <a:rPr lang="es-ES" dirty="0">
+                <a:latin typeface="Times New Roman" panose="02020603050405020304" pitchFamily="18" charset="0"/>
+                <a:cs typeface="Times New Roman" panose="02020603050405020304" pitchFamily="18" charset="0"/>
+              </a:rPr>
+              <a:t> </a:t>
             </a:r>
             <a:r>
-              <a:rPr lang="es-ES" dirty="0" err="1"/>
+              <a:rPr lang="es-ES" dirty="0" err="1">
+                <a:latin typeface="Times New Roman" panose="02020603050405020304" pitchFamily="18" charset="0"/>
+                <a:cs typeface="Times New Roman" panose="02020603050405020304" pitchFamily="18" charset="0"/>
+              </a:rPr>
               <a:t>applied</a:t>
             </a:r>
             <a:r>
-              <a:rPr lang="es-ES" dirty="0"/>
+              <a:rPr lang="es-ES" dirty="0">
+                <a:latin typeface="Times New Roman" panose="02020603050405020304" pitchFamily="18" charset="0"/>
+                <a:cs typeface="Times New Roman" panose="02020603050405020304" pitchFamily="18" charset="0"/>
+              </a:rPr>
               <a:t> </a:t>
             </a:r>
             <a:r>
-              <a:rPr lang="es-ES" dirty="0" err="1"/>
-              <a:t>Smote</a:t>
+              <a:rPr lang="es-ES">
+                <a:latin typeface="Times New Roman" panose="02020603050405020304" pitchFamily="18" charset="0"/>
+                <a:cs typeface="Times New Roman" panose="02020603050405020304" pitchFamily="18" charset="0"/>
+              </a:rPr>
+              <a:t>which </a:t>
             </a:r>
             <a:r>
-              <a:rPr lang="es-ES" dirty="0"/>
+              <a:rPr lang="es-ES" dirty="0">
+                <a:latin typeface="Times New Roman" panose="02020603050405020304" pitchFamily="18" charset="0"/>
+                <a:cs typeface="Times New Roman" panose="02020603050405020304" pitchFamily="18" charset="0"/>
+              </a:rPr>
+              <a:t>introduce </a:t>
+            </a:r>
+            <a:r>
+              <a:rPr lang="es-ES" dirty="0" err="1">
+                <a:latin typeface="Times New Roman" panose="02020603050405020304" pitchFamily="18" charset="0"/>
+                <a:cs typeface="Times New Roman" panose="02020603050405020304" pitchFamily="18" charset="0"/>
+              </a:rPr>
+              <a:t>Bias</a:t>
+            </a:r>
+            <a:r>
+              <a:rPr lang="es-ES" dirty="0">
+                <a:latin typeface="Times New Roman" panose="02020603050405020304" pitchFamily="18" charset="0"/>
+                <a:cs typeface="Times New Roman" panose="02020603050405020304" pitchFamily="18" charset="0"/>
+              </a:rPr>
               <a:t> and </a:t>
             </a:r>
             <a:r>
-              <a:rPr lang="es-ES" dirty="0" err="1"/>
-              <a:t>NearMiss</a:t>
-            </a:r>
-            <a:r>
-              <a:rPr lang="es-ES" dirty="0"/>
-              <a:t> what introduce </a:t>
-            </a:r>
-            <a:r>
-              <a:rPr lang="es-ES" dirty="0" err="1"/>
-              <a:t>Bias</a:t>
-            </a:r>
-            <a:r>
-              <a:rPr lang="es-ES" dirty="0"/>
-              <a:t> and </a:t>
-            </a:r>
-            <a:r>
-              <a:rPr lang="es-ES" dirty="0" err="1"/>
+              <a:rPr lang="es-ES" dirty="0" err="1">
+                <a:latin typeface="Times New Roman" panose="02020603050405020304" pitchFamily="18" charset="0"/>
+                <a:cs typeface="Times New Roman" panose="02020603050405020304" pitchFamily="18" charset="0"/>
+              </a:rPr>
               <a:t>Variance</a:t>
             </a:r>
             <a:r>
-              <a:rPr lang="es-ES" dirty="0"/>
+              <a:rPr lang="es-ES" dirty="0">
+                <a:latin typeface="Times New Roman" panose="02020603050405020304" pitchFamily="18" charset="0"/>
+                <a:cs typeface="Times New Roman" panose="02020603050405020304" pitchFamily="18" charset="0"/>
+              </a:rPr>
               <a:t>, for this </a:t>
             </a:r>
             <a:r>
-              <a:rPr lang="es-ES" dirty="0" err="1"/>
+              <a:rPr lang="es-ES" dirty="0" err="1">
+                <a:latin typeface="Times New Roman" panose="02020603050405020304" pitchFamily="18" charset="0"/>
+                <a:cs typeface="Times New Roman" panose="02020603050405020304" pitchFamily="18" charset="0"/>
+              </a:rPr>
               <a:t>reason</a:t>
             </a:r>
             <a:r>
-              <a:rPr lang="es-ES" dirty="0"/>
+              <a:rPr lang="es-ES" dirty="0">
+                <a:latin typeface="Times New Roman" panose="02020603050405020304" pitchFamily="18" charset="0"/>
+                <a:cs typeface="Times New Roman" panose="02020603050405020304" pitchFamily="18" charset="0"/>
+              </a:rPr>
               <a:t> we </a:t>
             </a:r>
             <a:r>
-              <a:rPr lang="es-ES" dirty="0" err="1"/>
+              <a:rPr lang="es-ES" dirty="0" err="1">
+                <a:latin typeface="Times New Roman" panose="02020603050405020304" pitchFamily="18" charset="0"/>
+                <a:cs typeface="Times New Roman" panose="02020603050405020304" pitchFamily="18" charset="0"/>
+              </a:rPr>
               <a:t>decided</a:t>
             </a:r>
             <a:r>
-              <a:rPr lang="es-ES" dirty="0"/>
+              <a:rPr lang="es-ES" dirty="0">
+                <a:latin typeface="Times New Roman" panose="02020603050405020304" pitchFamily="18" charset="0"/>
+                <a:cs typeface="Times New Roman" panose="02020603050405020304" pitchFamily="18" charset="0"/>
+              </a:rPr>
               <a:t> to balance the data </a:t>
             </a:r>
             <a:r>
-              <a:rPr lang="es-ES" dirty="0" err="1"/>
+              <a:rPr lang="es-ES" dirty="0" err="1">
+                <a:latin typeface="Times New Roman" panose="02020603050405020304" pitchFamily="18" charset="0"/>
+                <a:cs typeface="Times New Roman" panose="02020603050405020304" pitchFamily="18" charset="0"/>
+              </a:rPr>
               <a:t>before</a:t>
             </a:r>
             <a:r>
-              <a:rPr lang="es-ES" dirty="0"/>
+              <a:rPr lang="es-ES" dirty="0">
+                <a:latin typeface="Times New Roman" panose="02020603050405020304" pitchFamily="18" charset="0"/>
+                <a:cs typeface="Times New Roman" panose="02020603050405020304" pitchFamily="18" charset="0"/>
+              </a:rPr>
               <a:t> </a:t>
             </a:r>
             <a:r>
-              <a:rPr lang="es-ES" dirty="0" err="1"/>
+              <a:rPr lang="es-ES" dirty="0" err="1">
+                <a:latin typeface="Times New Roman" panose="02020603050405020304" pitchFamily="18" charset="0"/>
+                <a:cs typeface="Times New Roman" panose="02020603050405020304" pitchFamily="18" charset="0"/>
+              </a:rPr>
               <a:t>applying</a:t>
             </a:r>
             <a:r>
-              <a:rPr lang="es-ES" dirty="0"/>
+              <a:rPr lang="es-ES" dirty="0">
+                <a:latin typeface="Times New Roman" panose="02020603050405020304" pitchFamily="18" charset="0"/>
+                <a:cs typeface="Times New Roman" panose="02020603050405020304" pitchFamily="18" charset="0"/>
+              </a:rPr>
               <a:t> </a:t>
             </a:r>
             <a:r>
-              <a:rPr lang="es-ES" dirty="0" err="1"/>
+              <a:rPr lang="es-ES" dirty="0" err="1">
+                <a:latin typeface="Times New Roman" panose="02020603050405020304" pitchFamily="18" charset="0"/>
+                <a:cs typeface="Times New Roman" panose="02020603050405020304" pitchFamily="18" charset="0"/>
+              </a:rPr>
               <a:t>hyperparameters</a:t>
             </a:r>
             <a:r>
-              <a:rPr lang="es-ES" dirty="0"/>
+              <a:rPr lang="es-ES" dirty="0">
+                <a:latin typeface="Times New Roman" panose="02020603050405020304" pitchFamily="18" charset="0"/>
+                <a:cs typeface="Times New Roman" panose="02020603050405020304" pitchFamily="18" charset="0"/>
+              </a:rPr>
               <a:t>.</a:t>
             </a:r>
           </a:p>
           <a:p>
             <a:r>
-              <a:rPr lang="es-ES" dirty="0"/>
+              <a:rPr lang="es-ES" dirty="0">
+                <a:latin typeface="Times New Roman" panose="02020603050405020304" pitchFamily="18" charset="0"/>
+                <a:cs typeface="Times New Roman" panose="02020603050405020304" pitchFamily="18" charset="0"/>
+              </a:rPr>
               <a:t>As </a:t>
             </a:r>
             <a:r>
-              <a:rPr lang="es-ES" dirty="0" err="1"/>
+              <a:rPr lang="es-ES" dirty="0" err="1">
+                <a:latin typeface="Times New Roman" panose="02020603050405020304" pitchFamily="18" charset="0"/>
+                <a:cs typeface="Times New Roman" panose="02020603050405020304" pitchFamily="18" charset="0"/>
+              </a:rPr>
               <a:t>our</a:t>
             </a:r>
             <a:r>
-              <a:rPr lang="es-ES" dirty="0"/>
+              <a:rPr lang="es-ES" dirty="0">
+                <a:latin typeface="Times New Roman" panose="02020603050405020304" pitchFamily="18" charset="0"/>
+                <a:cs typeface="Times New Roman" panose="02020603050405020304" pitchFamily="18" charset="0"/>
+              </a:rPr>
               <a:t> data is  </a:t>
             </a:r>
             <a:r>
-              <a:rPr lang="es-ES" dirty="0" err="1"/>
+              <a:rPr lang="es-ES" dirty="0" err="1">
+                <a:latin typeface="Times New Roman" panose="02020603050405020304" pitchFamily="18" charset="0"/>
+                <a:cs typeface="Times New Roman" panose="02020603050405020304" pitchFamily="18" charset="0"/>
+              </a:rPr>
               <a:t>limited</a:t>
             </a:r>
             <a:r>
-              <a:rPr lang="es-ES" dirty="0"/>
+              <a:rPr lang="es-ES" dirty="0">
+                <a:latin typeface="Times New Roman" panose="02020603050405020304" pitchFamily="18" charset="0"/>
+                <a:cs typeface="Times New Roman" panose="02020603050405020304" pitchFamily="18" charset="0"/>
+              </a:rPr>
               <a:t> we </a:t>
             </a:r>
             <a:r>
-              <a:rPr lang="es-ES" dirty="0" err="1"/>
+              <a:rPr lang="es-ES" dirty="0" err="1">
+                <a:latin typeface="Times New Roman" panose="02020603050405020304" pitchFamily="18" charset="0"/>
+                <a:cs typeface="Times New Roman" panose="02020603050405020304" pitchFamily="18" charset="0"/>
+              </a:rPr>
               <a:t>encode</a:t>
             </a:r>
             <a:r>
-              <a:rPr lang="es-ES" dirty="0"/>
+              <a:rPr lang="es-ES" dirty="0">
+                <a:latin typeface="Times New Roman" panose="02020603050405020304" pitchFamily="18" charset="0"/>
+                <a:cs typeface="Times New Roman" panose="02020603050405020304" pitchFamily="18" charset="0"/>
+              </a:rPr>
               <a:t> the </a:t>
             </a:r>
             <a:r>
-              <a:rPr lang="es-ES" dirty="0" err="1"/>
+              <a:rPr lang="es-ES" dirty="0" err="1">
+                <a:latin typeface="Times New Roman" panose="02020603050405020304" pitchFamily="18" charset="0"/>
+                <a:cs typeface="Times New Roman" panose="02020603050405020304" pitchFamily="18" charset="0"/>
+              </a:rPr>
               <a:t>categorical</a:t>
             </a:r>
             <a:r>
-              <a:rPr lang="es-ES" dirty="0"/>
+              <a:rPr lang="es-ES" dirty="0">
+                <a:latin typeface="Times New Roman" panose="02020603050405020304" pitchFamily="18" charset="0"/>
+                <a:cs typeface="Times New Roman" panose="02020603050405020304" pitchFamily="18" charset="0"/>
+              </a:rPr>
               <a:t> to </a:t>
             </a:r>
             <a:r>
-              <a:rPr lang="es-ES" dirty="0" err="1"/>
+              <a:rPr lang="es-ES" dirty="0" err="1">
+                <a:latin typeface="Times New Roman" panose="02020603050405020304" pitchFamily="18" charset="0"/>
+                <a:cs typeface="Times New Roman" panose="02020603050405020304" pitchFamily="18" charset="0"/>
+              </a:rPr>
               <a:t>numerical</a:t>
             </a:r>
             <a:r>
-              <a:rPr lang="es-ES" dirty="0"/>
+              <a:rPr lang="es-ES" dirty="0">
+                <a:latin typeface="Times New Roman" panose="02020603050405020304" pitchFamily="18" charset="0"/>
+                <a:cs typeface="Times New Roman" panose="02020603050405020304" pitchFamily="18" charset="0"/>
+              </a:rPr>
               <a:t> </a:t>
             </a:r>
             <a:r>
-              <a:rPr lang="es-ES" dirty="0" err="1"/>
+              <a:rPr lang="es-ES" dirty="0" err="1">
+                <a:latin typeface="Times New Roman" panose="02020603050405020304" pitchFamily="18" charset="0"/>
+                <a:cs typeface="Times New Roman" panose="02020603050405020304" pitchFamily="18" charset="0"/>
+              </a:rPr>
               <a:t>values</a:t>
             </a:r>
             <a:r>
-              <a:rPr lang="es-ES" dirty="0"/>
+              <a:rPr lang="es-ES" dirty="0">
+                <a:latin typeface="Times New Roman" panose="02020603050405020304" pitchFamily="18" charset="0"/>
+                <a:cs typeface="Times New Roman" panose="02020603050405020304" pitchFamily="18" charset="0"/>
+              </a:rPr>
               <a:t> with </a:t>
             </a:r>
             <a:r>
-              <a:rPr lang="es-ES" dirty="0" err="1"/>
+              <a:rPr lang="es-ES" dirty="0" err="1">
+                <a:latin typeface="Times New Roman" panose="02020603050405020304" pitchFamily="18" charset="0"/>
+                <a:cs typeface="Times New Roman" panose="02020603050405020304" pitchFamily="18" charset="0"/>
+              </a:rPr>
               <a:t>Label</a:t>
             </a:r>
             <a:r>
-              <a:rPr lang="es-ES" dirty="0"/>
+              <a:rPr lang="es-ES" dirty="0">
+                <a:latin typeface="Times New Roman" panose="02020603050405020304" pitchFamily="18" charset="0"/>
+                <a:cs typeface="Times New Roman" panose="02020603050405020304" pitchFamily="18" charset="0"/>
+              </a:rPr>
               <a:t> </a:t>
             </a:r>
             <a:r>
-              <a:rPr lang="es-ES" dirty="0" err="1"/>
+              <a:rPr lang="es-ES" dirty="0" err="1">
+                <a:latin typeface="Times New Roman" panose="02020603050405020304" pitchFamily="18" charset="0"/>
+                <a:cs typeface="Times New Roman" panose="02020603050405020304" pitchFamily="18" charset="0"/>
+              </a:rPr>
               <a:t>Encoding</a:t>
             </a:r>
             <a:r>
-              <a:rPr lang="es-ES" dirty="0"/>
+              <a:rPr lang="es-ES" dirty="0">
+                <a:latin typeface="Times New Roman" panose="02020603050405020304" pitchFamily="18" charset="0"/>
+                <a:cs typeface="Times New Roman" panose="02020603050405020304" pitchFamily="18" charset="0"/>
+              </a:rPr>
               <a:t> for not have </a:t>
             </a:r>
             <a:r>
-              <a:rPr lang="es-ES" dirty="0" err="1"/>
+              <a:rPr lang="es-ES" dirty="0" err="1">
+                <a:latin typeface="Times New Roman" panose="02020603050405020304" pitchFamily="18" charset="0"/>
+                <a:cs typeface="Times New Roman" panose="02020603050405020304" pitchFamily="18" charset="0"/>
+              </a:rPr>
               <a:t>problems</a:t>
             </a:r>
             <a:r>
-              <a:rPr lang="es-ES" dirty="0"/>
+              <a:rPr lang="es-ES" dirty="0">
+                <a:latin typeface="Times New Roman" panose="02020603050405020304" pitchFamily="18" charset="0"/>
+                <a:cs typeface="Times New Roman" panose="02020603050405020304" pitchFamily="18" charset="0"/>
+              </a:rPr>
               <a:t> with the course of Dimensionality.</a:t>
             </a:r>
           </a:p>
           <a:p>
             <a:r>
-              <a:rPr lang="es-ES" dirty="0" err="1"/>
+              <a:rPr lang="es-ES" dirty="0" err="1">
+                <a:latin typeface="Times New Roman" panose="02020603050405020304" pitchFamily="18" charset="0"/>
+                <a:cs typeface="Times New Roman" panose="02020603050405020304" pitchFamily="18" charset="0"/>
+              </a:rPr>
               <a:t>Correlation</a:t>
             </a:r>
             <a:r>
-              <a:rPr lang="es-ES" dirty="0"/>
+              <a:rPr lang="es-ES" dirty="0">
+                <a:latin typeface="Times New Roman" panose="02020603050405020304" pitchFamily="18" charset="0"/>
+                <a:cs typeface="Times New Roman" panose="02020603050405020304" pitchFamily="18" charset="0"/>
+              </a:rPr>
               <a:t> </a:t>
             </a:r>
             <a:r>
-              <a:rPr lang="es-ES" dirty="0" err="1"/>
+              <a:rPr lang="es-ES" dirty="0" err="1">
+                <a:latin typeface="Times New Roman" panose="02020603050405020304" pitchFamily="18" charset="0"/>
+                <a:cs typeface="Times New Roman" panose="02020603050405020304" pitchFamily="18" charset="0"/>
+              </a:rPr>
               <a:t>methods</a:t>
             </a:r>
             <a:r>
-              <a:rPr lang="es-ES" dirty="0"/>
+              <a:rPr lang="es-ES" dirty="0">
+                <a:latin typeface="Times New Roman" panose="02020603050405020304" pitchFamily="18" charset="0"/>
+                <a:cs typeface="Times New Roman" panose="02020603050405020304" pitchFamily="18" charset="0"/>
+              </a:rPr>
               <a:t> </a:t>
             </a:r>
             <a:r>
-              <a:rPr lang="es-ES" dirty="0" err="1"/>
+              <a:rPr lang="es-ES" dirty="0" err="1">
+                <a:latin typeface="Times New Roman" panose="02020603050405020304" pitchFamily="18" charset="0"/>
+                <a:cs typeface="Times New Roman" panose="02020603050405020304" pitchFamily="18" charset="0"/>
+              </a:rPr>
               <a:t>were</a:t>
             </a:r>
             <a:r>
-              <a:rPr lang="es-ES" dirty="0"/>
+              <a:rPr lang="es-ES" dirty="0">
+                <a:latin typeface="Times New Roman" panose="02020603050405020304" pitchFamily="18" charset="0"/>
+                <a:cs typeface="Times New Roman" panose="02020603050405020304" pitchFamily="18" charset="0"/>
+              </a:rPr>
               <a:t> </a:t>
             </a:r>
             <a:r>
-              <a:rPr lang="es-ES" dirty="0" err="1"/>
+              <a:rPr lang="es-ES" dirty="0" err="1">
+                <a:latin typeface="Times New Roman" panose="02020603050405020304" pitchFamily="18" charset="0"/>
+                <a:cs typeface="Times New Roman" panose="02020603050405020304" pitchFamily="18" charset="0"/>
+              </a:rPr>
               <a:t>applied</a:t>
             </a:r>
             <a:r>
-              <a:rPr lang="es-ES" dirty="0"/>
+              <a:rPr lang="es-ES" dirty="0">
+                <a:latin typeface="Times New Roman" panose="02020603050405020304" pitchFamily="18" charset="0"/>
+                <a:cs typeface="Times New Roman" panose="02020603050405020304" pitchFamily="18" charset="0"/>
+              </a:rPr>
               <a:t> to realice </a:t>
             </a:r>
             <a:r>
-              <a:rPr lang="es-ES" dirty="0" err="1"/>
+              <a:rPr lang="es-ES" dirty="0" err="1">
+                <a:latin typeface="Times New Roman" panose="02020603050405020304" pitchFamily="18" charset="0"/>
+                <a:cs typeface="Times New Roman" panose="02020603050405020304" pitchFamily="18" charset="0"/>
+              </a:rPr>
               <a:t>feature</a:t>
             </a:r>
             <a:r>
-              <a:rPr lang="es-ES" dirty="0"/>
+              <a:rPr lang="es-ES" dirty="0">
+                <a:latin typeface="Times New Roman" panose="02020603050405020304" pitchFamily="18" charset="0"/>
+                <a:cs typeface="Times New Roman" panose="02020603050405020304" pitchFamily="18" charset="0"/>
+              </a:rPr>
               <a:t> </a:t>
             </a:r>
             <a:r>
-              <a:rPr lang="es-ES" dirty="0" err="1"/>
+              <a:rPr lang="es-ES" dirty="0" err="1">
+                <a:latin typeface="Times New Roman" panose="02020603050405020304" pitchFamily="18" charset="0"/>
+                <a:cs typeface="Times New Roman" panose="02020603050405020304" pitchFamily="18" charset="0"/>
+              </a:rPr>
               <a:t>engineering</a:t>
             </a:r>
             <a:r>
-              <a:rPr lang="es-ES" dirty="0"/>
+              <a:rPr lang="es-ES" dirty="0">
+                <a:latin typeface="Times New Roman" panose="02020603050405020304" pitchFamily="18" charset="0"/>
+                <a:cs typeface="Times New Roman" panose="02020603050405020304" pitchFamily="18" charset="0"/>
+              </a:rPr>
               <a:t> with ANOVA and Chis-</a:t>
             </a:r>
             <a:r>
-              <a:rPr lang="es-ES" dirty="0" err="1"/>
+              <a:rPr lang="es-ES" dirty="0" err="1">
+                <a:latin typeface="Times New Roman" panose="02020603050405020304" pitchFamily="18" charset="0"/>
+                <a:cs typeface="Times New Roman" panose="02020603050405020304" pitchFamily="18" charset="0"/>
+              </a:rPr>
               <a:t>quared</a:t>
             </a:r>
             <a:r>
-              <a:rPr lang="es-ES" dirty="0"/>
+              <a:rPr lang="es-ES" dirty="0">
+                <a:latin typeface="Times New Roman" panose="02020603050405020304" pitchFamily="18" charset="0"/>
+                <a:cs typeface="Times New Roman" panose="02020603050405020304" pitchFamily="18" charset="0"/>
+              </a:rPr>
               <a:t> test.</a:t>
             </a:r>
           </a:p>
           <a:p>
             <a:r>
-              <a:rPr lang="es-ES" dirty="0"/>
+              <a:rPr lang="es-ES" dirty="0">
+                <a:latin typeface="Times New Roman" panose="02020603050405020304" pitchFamily="18" charset="0"/>
+                <a:cs typeface="Times New Roman" panose="02020603050405020304" pitchFamily="18" charset="0"/>
+              </a:rPr>
               <a:t>With EDA </a:t>
             </a:r>
             <a:r>
-              <a:rPr lang="es-ES" dirty="0" err="1"/>
+              <a:rPr lang="es-ES" dirty="0" err="1">
+                <a:latin typeface="Times New Roman" panose="02020603050405020304" pitchFamily="18" charset="0"/>
+                <a:cs typeface="Times New Roman" panose="02020603050405020304" pitchFamily="18" charset="0"/>
+              </a:rPr>
               <a:t>visualizations</a:t>
             </a:r>
             <a:r>
-              <a:rPr lang="es-ES" dirty="0"/>
+              <a:rPr lang="es-ES" dirty="0">
+                <a:latin typeface="Times New Roman" panose="02020603050405020304" pitchFamily="18" charset="0"/>
+                <a:cs typeface="Times New Roman" panose="02020603050405020304" pitchFamily="18" charset="0"/>
+              </a:rPr>
               <a:t> we can see that the </a:t>
             </a:r>
             <a:r>
-              <a:rPr lang="es-ES" dirty="0" err="1"/>
+              <a:rPr lang="es-ES" dirty="0" err="1">
+                <a:latin typeface="Times New Roman" panose="02020603050405020304" pitchFamily="18" charset="0"/>
+                <a:cs typeface="Times New Roman" panose="02020603050405020304" pitchFamily="18" charset="0"/>
+              </a:rPr>
               <a:t>company</a:t>
             </a:r>
             <a:r>
-              <a:rPr lang="es-ES" dirty="0"/>
+              <a:rPr lang="es-ES" dirty="0">
+                <a:latin typeface="Times New Roman" panose="02020603050405020304" pitchFamily="18" charset="0"/>
+                <a:cs typeface="Times New Roman" panose="02020603050405020304" pitchFamily="18" charset="0"/>
+              </a:rPr>
               <a:t> </a:t>
             </a:r>
             <a:r>
-              <a:rPr lang="es-ES" dirty="0" err="1"/>
+              <a:rPr lang="es-ES" dirty="0" err="1">
+                <a:latin typeface="Times New Roman" panose="02020603050405020304" pitchFamily="18" charset="0"/>
+                <a:cs typeface="Times New Roman" panose="02020603050405020304" pitchFamily="18" charset="0"/>
+              </a:rPr>
               <a:t>needs</a:t>
             </a:r>
             <a:r>
-              <a:rPr lang="es-ES" dirty="0"/>
+              <a:rPr lang="es-ES" dirty="0">
+                <a:latin typeface="Times New Roman" panose="02020603050405020304" pitchFamily="18" charset="0"/>
+                <a:cs typeface="Times New Roman" panose="02020603050405020304" pitchFamily="18" charset="0"/>
+              </a:rPr>
               <a:t> to </a:t>
             </a:r>
             <a:r>
-              <a:rPr lang="es-ES" dirty="0" err="1"/>
+              <a:rPr lang="es-ES" dirty="0" err="1">
+                <a:latin typeface="Times New Roman" panose="02020603050405020304" pitchFamily="18" charset="0"/>
+                <a:cs typeface="Times New Roman" panose="02020603050405020304" pitchFamily="18" charset="0"/>
+              </a:rPr>
               <a:t>analyse</a:t>
             </a:r>
             <a:r>
-              <a:rPr lang="es-ES" dirty="0"/>
+              <a:rPr lang="es-ES" dirty="0">
+                <a:latin typeface="Times New Roman" panose="02020603050405020304" pitchFamily="18" charset="0"/>
+                <a:cs typeface="Times New Roman" panose="02020603050405020304" pitchFamily="18" charset="0"/>
+              </a:rPr>
               <a:t> a </a:t>
             </a:r>
             <a:r>
-              <a:rPr lang="es-ES" dirty="0" err="1"/>
+              <a:rPr lang="es-ES" dirty="0" err="1">
+                <a:latin typeface="Times New Roman" panose="02020603050405020304" pitchFamily="18" charset="0"/>
+                <a:cs typeface="Times New Roman" panose="02020603050405020304" pitchFamily="18" charset="0"/>
+              </a:rPr>
               <a:t>way</a:t>
             </a:r>
             <a:r>
-              <a:rPr lang="es-ES" dirty="0"/>
+              <a:rPr lang="es-ES" dirty="0">
+                <a:latin typeface="Times New Roman" panose="02020603050405020304" pitchFamily="18" charset="0"/>
+                <a:cs typeface="Times New Roman" panose="02020603050405020304" pitchFamily="18" charset="0"/>
+              </a:rPr>
               <a:t> to </a:t>
             </a:r>
             <a:r>
-              <a:rPr lang="es-ES" dirty="0" err="1"/>
+              <a:rPr lang="es-ES" dirty="0" err="1">
+                <a:latin typeface="Times New Roman" panose="02020603050405020304" pitchFamily="18" charset="0"/>
+                <a:cs typeface="Times New Roman" panose="02020603050405020304" pitchFamily="18" charset="0"/>
+              </a:rPr>
               <a:t>change</a:t>
             </a:r>
             <a:r>
-              <a:rPr lang="es-ES" dirty="0"/>
+              <a:rPr lang="es-ES" dirty="0">
+                <a:latin typeface="Times New Roman" panose="02020603050405020304" pitchFamily="18" charset="0"/>
+                <a:cs typeface="Times New Roman" panose="02020603050405020304" pitchFamily="18" charset="0"/>
+              </a:rPr>
               <a:t> the </a:t>
             </a:r>
             <a:r>
-              <a:rPr lang="es-ES" dirty="0" err="1"/>
+              <a:rPr lang="es-ES" dirty="0" err="1">
+                <a:latin typeface="Times New Roman" panose="02020603050405020304" pitchFamily="18" charset="0"/>
+                <a:cs typeface="Times New Roman" panose="02020603050405020304" pitchFamily="18" charset="0"/>
+              </a:rPr>
               <a:t>Month</a:t>
             </a:r>
             <a:r>
-              <a:rPr lang="es-ES" dirty="0"/>
+              <a:rPr lang="es-ES" dirty="0">
+                <a:latin typeface="Times New Roman" panose="02020603050405020304" pitchFamily="18" charset="0"/>
+                <a:cs typeface="Times New Roman" panose="02020603050405020304" pitchFamily="18" charset="0"/>
+              </a:rPr>
               <a:t> to </a:t>
             </a:r>
             <a:r>
-              <a:rPr lang="es-ES" dirty="0" err="1"/>
+              <a:rPr lang="es-ES" dirty="0" err="1">
+                <a:latin typeface="Times New Roman" panose="02020603050405020304" pitchFamily="18" charset="0"/>
+                <a:cs typeface="Times New Roman" panose="02020603050405020304" pitchFamily="18" charset="0"/>
+              </a:rPr>
               <a:t>Month</a:t>
             </a:r>
             <a:r>
-              <a:rPr lang="es-ES" dirty="0"/>
+              <a:rPr lang="es-ES" dirty="0">
+                <a:latin typeface="Times New Roman" panose="02020603050405020304" pitchFamily="18" charset="0"/>
+                <a:cs typeface="Times New Roman" panose="02020603050405020304" pitchFamily="18" charset="0"/>
+              </a:rPr>
               <a:t> Contract for </a:t>
             </a:r>
             <a:r>
-              <a:rPr lang="es-ES" dirty="0" err="1"/>
+              <a:rPr lang="es-ES" dirty="0" err="1">
+                <a:latin typeface="Times New Roman" panose="02020603050405020304" pitchFamily="18" charset="0"/>
+                <a:cs typeface="Times New Roman" panose="02020603050405020304" pitchFamily="18" charset="0"/>
+              </a:rPr>
               <a:t>longer</a:t>
             </a:r>
             <a:r>
-              <a:rPr lang="es-ES" dirty="0"/>
+              <a:rPr lang="es-ES" dirty="0">
+                <a:latin typeface="Times New Roman" panose="02020603050405020304" pitchFamily="18" charset="0"/>
+                <a:cs typeface="Times New Roman" panose="02020603050405020304" pitchFamily="18" charset="0"/>
+              </a:rPr>
               <a:t> </a:t>
             </a:r>
             <a:r>
-              <a:rPr lang="es-ES" dirty="0" err="1"/>
+              <a:rPr lang="es-ES" dirty="0" err="1">
+                <a:latin typeface="Times New Roman" panose="02020603050405020304" pitchFamily="18" charset="0"/>
+                <a:cs typeface="Times New Roman" panose="02020603050405020304" pitchFamily="18" charset="0"/>
+              </a:rPr>
               <a:t>term</a:t>
             </a:r>
             <a:r>
-              <a:rPr lang="es-ES" dirty="0"/>
+              <a:rPr lang="es-ES" dirty="0">
+                <a:latin typeface="Times New Roman" panose="02020603050405020304" pitchFamily="18" charset="0"/>
+                <a:cs typeface="Times New Roman" panose="02020603050405020304" pitchFamily="18" charset="0"/>
+              </a:rPr>
               <a:t> </a:t>
             </a:r>
             <a:r>
-              <a:rPr lang="es-ES" dirty="0" err="1"/>
+              <a:rPr lang="es-ES" dirty="0" err="1">
+                <a:latin typeface="Times New Roman" panose="02020603050405020304" pitchFamily="18" charset="0"/>
+                <a:cs typeface="Times New Roman" panose="02020603050405020304" pitchFamily="18" charset="0"/>
+              </a:rPr>
               <a:t>contracts</a:t>
             </a:r>
             <a:r>
-              <a:rPr lang="es-ES" dirty="0"/>
+              <a:rPr lang="es-ES" dirty="0">
+                <a:latin typeface="Times New Roman" panose="02020603050405020304" pitchFamily="18" charset="0"/>
+                <a:cs typeface="Times New Roman" panose="02020603050405020304" pitchFamily="18" charset="0"/>
+              </a:rPr>
               <a:t>.</a:t>
             </a:r>
           </a:p>
